--- a/Life/05-装修/01-麦丰/初稿-2019-11-13/业主意见/平面.pptx
+++ b/Life/05-装修/01-麦丰/初稿-2019-11-13/业主意见/平面.pptx
@@ -6235,7 +6235,7 @@
         <p:spPr>
           <a:xfrm>
             <a:off x="8217064" y="566469"/>
-            <a:ext cx="4570482" cy="2862322"/>
+            <a:ext cx="4108817" cy="3139321"/>
           </a:xfrm>
           <a:prstGeom prst="rect">
             <a:avLst/>
@@ -6269,7 +6269,7 @@
                   <a:srgbClr val="FF0000"/>
                 </a:solidFill>
               </a:rPr>
-              <a:t>公共区域如果有主灯的话不考虑灯带设计。</a:t>
+              <a:t>公共区域如果有主灯的话不需要灯带？</a:t>
             </a:r>
             <a:endParaRPr lang="en-US" altLang="zh-CN" dirty="0">
               <a:solidFill>
@@ -6284,7 +6284,7 @@
                   <a:srgbClr val="FF0000"/>
                 </a:solidFill>
               </a:rPr>
-              <a:t>如果无主灯的话听设计师的。</a:t>
+              <a:t>如果无主灯的话听设计师的意见再定。</a:t>
             </a:r>
             <a:endParaRPr lang="en-US" altLang="zh-CN" dirty="0">
               <a:solidFill>
@@ -6293,6 +6293,21 @@
             </a:endParaRPr>
           </a:p>
           <a:p>
+            <a:endParaRPr lang="en-US" dirty="0">
+              <a:solidFill>
+                <a:srgbClr val="FF0000"/>
+              </a:solidFill>
+            </a:endParaRPr>
+          </a:p>
+          <a:p>
+            <a:r>
+              <a:rPr lang="zh-CN" altLang="en-US" dirty="0">
+                <a:solidFill>
+                  <a:srgbClr val="FF0000"/>
+                </a:solidFill>
+              </a:rPr>
+              <a:t>以后趋势是轨道灯？直接插拔移位？</a:t>
+            </a:r>
             <a:endParaRPr lang="en-US" dirty="0">
               <a:solidFill>
                 <a:srgbClr val="FF0000"/>
